--- a/figures/resources/lut.pptx
+++ b/figures/resources/lut.pptx
@@ -5,10 +5,12 @@
     <p:sldMasterId id="2147483648" r:id="rId1"/>
   </p:sldMasterIdLst>
   <p:notesMasterIdLst>
-    <p:notesMasterId r:id="rId3"/>
+    <p:notesMasterId r:id="rId5"/>
   </p:notesMasterIdLst>
   <p:sldIdLst>
-    <p:sldId id="262" r:id="rId2"/>
+    <p:sldId id="263" r:id="rId2"/>
+    <p:sldId id="262" r:id="rId3"/>
+    <p:sldId id="264" r:id="rId4"/>
   </p:sldIdLst>
   <p:sldSz cx="12192000" cy="6858000"/>
   <p:notesSz cx="6858000" cy="9144000"/>
@@ -107,6 +109,11 @@
       </a:defRPr>
     </a:lvl9pPr>
   </p:defaultTextStyle>
+  <p:extLst>
+    <p:ext uri="{EFAFB233-063F-42B5-8137-9DF3F51BA10A}">
+      <p15:sldGuideLst xmlns:p15="http://schemas.microsoft.com/office/powerpoint/2012/main"/>
+    </p:ext>
+  </p:extLst>
 </p:presentation>
 </file>
 
@@ -192,7 +199,7 @@
           <a:p>
             <a:fld id="{2E6BD66F-E326-B349-8911-9CEB3346DCEC}" type="datetimeFigureOut">
               <a:rPr lang="de-DE" smtClean="0"/>
-              <a:t>14.12.20</a:t>
+              <a:t>18.01.21</a:t>
             </a:fld>
             <a:endParaRPr lang="de-DE"/>
           </a:p>
@@ -718,7 +725,7 @@
           <a:p>
             <a:fld id="{2D97518A-9C42-7B47-83BE-724D8D9BB307}" type="datetimeFigureOut">
               <a:rPr lang="de-DE" smtClean="0"/>
-              <a:t>14.12.20</a:t>
+              <a:t>18.01.21</a:t>
             </a:fld>
             <a:endParaRPr lang="de-DE"/>
           </a:p>
@@ -918,7 +925,7 @@
           <a:p>
             <a:fld id="{2D97518A-9C42-7B47-83BE-724D8D9BB307}" type="datetimeFigureOut">
               <a:rPr lang="de-DE" smtClean="0"/>
-              <a:t>14.12.20</a:t>
+              <a:t>18.01.21</a:t>
             </a:fld>
             <a:endParaRPr lang="de-DE"/>
           </a:p>
@@ -1128,7 +1135,7 @@
           <a:p>
             <a:fld id="{2D97518A-9C42-7B47-83BE-724D8D9BB307}" type="datetimeFigureOut">
               <a:rPr lang="de-DE" smtClean="0"/>
-              <a:t>14.12.20</a:t>
+              <a:t>18.01.21</a:t>
             </a:fld>
             <a:endParaRPr lang="de-DE"/>
           </a:p>
@@ -1938,7 +1945,7 @@
           <a:p>
             <a:fld id="{2D97518A-9C42-7B47-83BE-724D8D9BB307}" type="datetimeFigureOut">
               <a:rPr lang="de-DE" smtClean="0"/>
-              <a:t>14.12.20</a:t>
+              <a:t>18.01.21</a:t>
             </a:fld>
             <a:endParaRPr lang="de-DE"/>
           </a:p>
@@ -2214,7 +2221,7 @@
           <a:p>
             <a:fld id="{2D97518A-9C42-7B47-83BE-724D8D9BB307}" type="datetimeFigureOut">
               <a:rPr lang="de-DE" smtClean="0"/>
-              <a:t>14.12.20</a:t>
+              <a:t>18.01.21</a:t>
             </a:fld>
             <a:endParaRPr lang="de-DE"/>
           </a:p>
@@ -2482,7 +2489,7 @@
           <a:p>
             <a:fld id="{2D97518A-9C42-7B47-83BE-724D8D9BB307}" type="datetimeFigureOut">
               <a:rPr lang="de-DE" smtClean="0"/>
-              <a:t>14.12.20</a:t>
+              <a:t>18.01.21</a:t>
             </a:fld>
             <a:endParaRPr lang="de-DE"/>
           </a:p>
@@ -2897,7 +2904,7 @@
           <a:p>
             <a:fld id="{2D97518A-9C42-7B47-83BE-724D8D9BB307}" type="datetimeFigureOut">
               <a:rPr lang="de-DE" smtClean="0"/>
-              <a:t>14.12.20</a:t>
+              <a:t>18.01.21</a:t>
             </a:fld>
             <a:endParaRPr lang="de-DE"/>
           </a:p>
@@ -3039,7 +3046,7 @@
           <a:p>
             <a:fld id="{2D97518A-9C42-7B47-83BE-724D8D9BB307}" type="datetimeFigureOut">
               <a:rPr lang="de-DE" smtClean="0"/>
-              <a:t>14.12.20</a:t>
+              <a:t>18.01.21</a:t>
             </a:fld>
             <a:endParaRPr lang="de-DE"/>
           </a:p>
@@ -3152,7 +3159,7 @@
           <a:p>
             <a:fld id="{2D97518A-9C42-7B47-83BE-724D8D9BB307}" type="datetimeFigureOut">
               <a:rPr lang="de-DE" smtClean="0"/>
-              <a:t>14.12.20</a:t>
+              <a:t>18.01.21</a:t>
             </a:fld>
             <a:endParaRPr lang="de-DE"/>
           </a:p>
@@ -3465,7 +3472,7 @@
           <a:p>
             <a:fld id="{2D97518A-9C42-7B47-83BE-724D8D9BB307}" type="datetimeFigureOut">
               <a:rPr lang="de-DE" smtClean="0"/>
-              <a:t>14.12.20</a:t>
+              <a:t>18.01.21</a:t>
             </a:fld>
             <a:endParaRPr lang="de-DE"/>
           </a:p>
@@ -3754,7 +3761,7 @@
           <a:p>
             <a:fld id="{2D97518A-9C42-7B47-83BE-724D8D9BB307}" type="datetimeFigureOut">
               <a:rPr lang="de-DE" smtClean="0"/>
-              <a:t>14.12.20</a:t>
+              <a:t>18.01.21</a:t>
             </a:fld>
             <a:endParaRPr lang="de-DE"/>
           </a:p>
@@ -3997,7 +4004,7 @@
           <a:p>
             <a:fld id="{2D97518A-9C42-7B47-83BE-724D8D9BB307}" type="datetimeFigureOut">
               <a:rPr lang="de-DE" smtClean="0"/>
-              <a:t>14.12.20</a:t>
+              <a:t>18.01.21</a:t>
             </a:fld>
             <a:endParaRPr lang="de-DE"/>
           </a:p>
@@ -4403,6 +4410,72 @@
   <p:cSld>
     <p:spTree>
       <p:nvGrpSpPr>
+        <p:cNvPr id="1" name=""/>
+        <p:cNvGrpSpPr/>
+        <p:nvPr/>
+      </p:nvGrpSpPr>
+      <p:grpSpPr>
+        <a:xfrm>
+          <a:off x="0" y="0"/>
+          <a:ext cx="0" cy="0"/>
+          <a:chOff x="0" y="0"/>
+          <a:chExt cx="0" cy="0"/>
+        </a:xfrm>
+      </p:grpSpPr>
+      <p:sp>
+        <p:nvSpPr>
+          <p:cNvPr id="2" name="Title 1">
+            <a:extLst>
+              <a:ext uri="{FF2B5EF4-FFF2-40B4-BE49-F238E27FC236}">
+                <a16:creationId xmlns:a16="http://schemas.microsoft.com/office/drawing/2014/main" id="{2AACFDBB-D81B-3648-9698-60C435C16943}"/>
+              </a:ext>
+            </a:extLst>
+          </p:cNvPr>
+          <p:cNvSpPr>
+            <a:spLocks noGrp="1"/>
+          </p:cNvSpPr>
+          <p:nvPr>
+            <p:ph type="title"/>
+          </p:nvPr>
+        </p:nvSpPr>
+        <p:spPr>
+          <a:xfrm>
+            <a:off x="415600" y="593367"/>
+            <a:ext cx="11360801" cy="3325490"/>
+          </a:xfrm>
+        </p:spPr>
+        <p:txBody>
+          <a:bodyPr>
+            <a:noAutofit/>
+          </a:bodyPr>
+          <a:lstStyle/>
+          <a:p>
+            <a:pPr algn="ctr"/>
+            <a:r>
+              <a:rPr lang="de-DE" sz="19900" dirty="0"/>
+              <a:t>LUT</a:t>
+            </a:r>
+          </a:p>
+        </p:txBody>
+      </p:sp>
+    </p:spTree>
+    <p:extLst>
+      <p:ext uri="{BB962C8B-B14F-4D97-AF65-F5344CB8AC3E}">
+        <p14:creationId xmlns:p14="http://schemas.microsoft.com/office/powerpoint/2010/main" val="160843347"/>
+      </p:ext>
+    </p:extLst>
+  </p:cSld>
+  <p:clrMapOvr>
+    <a:masterClrMapping/>
+  </p:clrMapOvr>
+</p:sld>
+</file>
+
+<file path=ppt/slides/slide2.xml><?xml version="1.0" encoding="utf-8"?>
+<p:sld xmlns:a="http://schemas.openxmlformats.org/drawingml/2006/main" xmlns:r="http://schemas.openxmlformats.org/officeDocument/2006/relationships" xmlns:p="http://schemas.openxmlformats.org/presentationml/2006/main">
+  <p:cSld>
+    <p:spTree>
+      <p:nvGrpSpPr>
         <p:cNvPr id="1" name="Shape 136"/>
         <p:cNvGrpSpPr/>
         <p:nvPr/>
@@ -4415,106 +4488,6 @@
           <a:chExt cx="0" cy="0"/>
         </a:xfrm>
       </p:grpSpPr>
-      <p:sp>
-        <p:nvSpPr>
-          <p:cNvPr id="137" name="Google Shape;137;p18"/>
-          <p:cNvSpPr txBox="1">
-            <a:spLocks noGrp="1"/>
-          </p:cNvSpPr>
-          <p:nvPr>
-            <p:ph type="title"/>
-          </p:nvPr>
-        </p:nvSpPr>
-        <p:spPr>
-          <a:xfrm>
-            <a:off x="2244873" y="149833"/>
-            <a:ext cx="6804837" cy="763650"/>
-          </a:xfrm>
-          <a:prstGeom prst="rect">
-            <a:avLst/>
-          </a:prstGeom>
-          <a:noFill/>
-          <a:ln>
-            <a:noFill/>
-          </a:ln>
-        </p:spPr>
-        <p:txBody>
-          <a:bodyPr spcFirstLastPara="1" vert="horz" wrap="square" lIns="121888" tIns="121888" rIns="121888" bIns="121888" rtlCol="0" anchor="t" anchorCtr="0">
-            <a:noAutofit/>
-          </a:bodyPr>
-          <a:lstStyle/>
-          <a:p>
-            <a:pPr algn="ctr">
-              <a:buSzPts val="5800"/>
-            </a:pPr>
-            <a:r>
-              <a:rPr lang="en-US" sz="3300" dirty="0">
-                <a:solidFill>
-                  <a:srgbClr val="93C47D"/>
-                </a:solidFill>
-              </a:rPr>
-              <a:t>LUT</a:t>
-            </a:r>
-            <a:endParaRPr dirty="0">
-              <a:solidFill>
-                <a:srgbClr val="93C47D"/>
-              </a:solidFill>
-            </a:endParaRPr>
-          </a:p>
-        </p:txBody>
-      </p:sp>
-      <p:sp>
-        <p:nvSpPr>
-          <p:cNvPr id="138" name="Google Shape;138;p18"/>
-          <p:cNvSpPr txBox="1">
-            <a:spLocks noGrp="1"/>
-          </p:cNvSpPr>
-          <p:nvPr>
-            <p:ph type="body" idx="1"/>
-          </p:nvPr>
-        </p:nvSpPr>
-        <p:spPr>
-          <a:xfrm>
-            <a:off x="721380" y="1158086"/>
-            <a:ext cx="5801586" cy="763650"/>
-          </a:xfrm>
-          <a:prstGeom prst="rect">
-            <a:avLst/>
-          </a:prstGeom>
-          <a:noFill/>
-          <a:ln>
-            <a:noFill/>
-          </a:ln>
-        </p:spPr>
-        <p:txBody>
-          <a:bodyPr spcFirstLastPara="1" vert="horz" wrap="square" lIns="121888" tIns="121888" rIns="121888" bIns="121888" rtlCol="0" anchor="t" anchorCtr="0">
-            <a:noAutofit/>
-          </a:bodyPr>
-          <a:lstStyle/>
-          <a:p>
-            <a:pPr marL="0" indent="0">
-              <a:buClr>
-                <a:srgbClr val="ADADAD"/>
-              </a:buClr>
-              <a:buSzPts val="4500"/>
-              <a:buNone/>
-            </a:pPr>
-            <a:r>
-              <a:rPr lang="en-US" sz="3000" dirty="0">
-                <a:solidFill>
-                  <a:srgbClr val="FFFFFF"/>
-                </a:solidFill>
-              </a:rPr>
-              <a:t>Image = { value, coordinate }</a:t>
-            </a:r>
-            <a:endParaRPr sz="3000" dirty="0">
-              <a:solidFill>
-                <a:srgbClr val="FFFFFF"/>
-              </a:solidFill>
-            </a:endParaRPr>
-          </a:p>
-        </p:txBody>
-      </p:sp>
       <p:pic>
         <p:nvPicPr>
           <p:cNvPr id="144" name="Google Shape;144;p18" descr="Google Shape;149;p19"/>
@@ -4530,8 +4503,8 @@
         </p:blipFill>
         <p:spPr>
           <a:xfrm>
-            <a:off x="3983272" y="2166339"/>
-            <a:ext cx="3328038" cy="2879725"/>
+            <a:off x="578881" y="1524000"/>
+            <a:ext cx="4080004" cy="3530395"/>
           </a:xfrm>
           <a:prstGeom prst="rect">
             <a:avLst/>
@@ -4542,10 +4515,400 @@
           </a:ln>
         </p:spPr>
       </p:pic>
+      <p:pic>
+        <p:nvPicPr>
+          <p:cNvPr id="7" name="Picture 6">
+            <a:extLst>
+              <a:ext uri="{FF2B5EF4-FFF2-40B4-BE49-F238E27FC236}">
+                <a16:creationId xmlns:a16="http://schemas.microsoft.com/office/drawing/2014/main" id="{A71E82F9-5E82-E246-A872-A97928C8B893}"/>
+              </a:ext>
+            </a:extLst>
+          </p:cNvPr>
+          <p:cNvPicPr>
+            <a:picLocks noChangeAspect="1"/>
+          </p:cNvPicPr>
+          <p:nvPr/>
+        </p:nvPicPr>
+        <p:blipFill>
+          <a:blip r:embed="rId4"/>
+          <a:stretch>
+            <a:fillRect/>
+          </a:stretch>
+        </p:blipFill>
+        <p:spPr>
+          <a:xfrm>
+            <a:off x="4279223" y="351971"/>
+            <a:ext cx="3441700" cy="3835400"/>
+          </a:xfrm>
+          <a:prstGeom prst="rect">
+            <a:avLst/>
+          </a:prstGeom>
+        </p:spPr>
+      </p:pic>
+      <p:pic>
+        <p:nvPicPr>
+          <p:cNvPr id="8" name="Picture 7">
+            <a:extLst>
+              <a:ext uri="{FF2B5EF4-FFF2-40B4-BE49-F238E27FC236}">
+                <a16:creationId xmlns:a16="http://schemas.microsoft.com/office/drawing/2014/main" id="{64BA3EEA-D7F1-B04F-9B77-BC1A7C23B2C9}"/>
+              </a:ext>
+            </a:extLst>
+          </p:cNvPr>
+          <p:cNvPicPr>
+            <a:picLocks noChangeAspect="1"/>
+          </p:cNvPicPr>
+          <p:nvPr/>
+        </p:nvPicPr>
+        <p:blipFill>
+          <a:blip r:embed="rId5"/>
+          <a:stretch>
+            <a:fillRect/>
+          </a:stretch>
+        </p:blipFill>
+        <p:spPr>
+          <a:xfrm>
+            <a:off x="6527802" y="351971"/>
+            <a:ext cx="3441700" cy="3835400"/>
+          </a:xfrm>
+          <a:prstGeom prst="rect">
+            <a:avLst/>
+          </a:prstGeom>
+        </p:spPr>
+      </p:pic>
+      <p:pic>
+        <p:nvPicPr>
+          <p:cNvPr id="9" name="Picture 8">
+            <a:extLst>
+              <a:ext uri="{FF2B5EF4-FFF2-40B4-BE49-F238E27FC236}">
+                <a16:creationId xmlns:a16="http://schemas.microsoft.com/office/drawing/2014/main" id="{209122AA-1C8D-084D-B171-A960075CD7E1}"/>
+              </a:ext>
+            </a:extLst>
+          </p:cNvPr>
+          <p:cNvPicPr>
+            <a:picLocks noChangeAspect="1"/>
+          </p:cNvPicPr>
+          <p:nvPr/>
+        </p:nvPicPr>
+        <p:blipFill>
+          <a:blip r:embed="rId6"/>
+          <a:stretch>
+            <a:fillRect/>
+          </a:stretch>
+        </p:blipFill>
+        <p:spPr>
+          <a:xfrm>
+            <a:off x="4277635" y="2893785"/>
+            <a:ext cx="3441700" cy="3835400"/>
+          </a:xfrm>
+          <a:prstGeom prst="rect">
+            <a:avLst/>
+          </a:prstGeom>
+        </p:spPr>
+      </p:pic>
+      <p:pic>
+        <p:nvPicPr>
+          <p:cNvPr id="10" name="Picture 9">
+            <a:extLst>
+              <a:ext uri="{FF2B5EF4-FFF2-40B4-BE49-F238E27FC236}">
+                <a16:creationId xmlns:a16="http://schemas.microsoft.com/office/drawing/2014/main" id="{E5BB36E2-5B4A-B44A-A385-5DE153F2BE47}"/>
+              </a:ext>
+            </a:extLst>
+          </p:cNvPr>
+          <p:cNvPicPr>
+            <a:picLocks noChangeAspect="1"/>
+          </p:cNvPicPr>
+          <p:nvPr/>
+        </p:nvPicPr>
+        <p:blipFill>
+          <a:blip r:embed="rId7"/>
+          <a:stretch>
+            <a:fillRect/>
+          </a:stretch>
+        </p:blipFill>
+        <p:spPr>
+          <a:xfrm>
+            <a:off x="8802010" y="351971"/>
+            <a:ext cx="3441700" cy="3835400"/>
+          </a:xfrm>
+          <a:prstGeom prst="rect">
+            <a:avLst/>
+          </a:prstGeom>
+        </p:spPr>
+      </p:pic>
+      <p:pic>
+        <p:nvPicPr>
+          <p:cNvPr id="11" name="Picture 10">
+            <a:extLst>
+              <a:ext uri="{FF2B5EF4-FFF2-40B4-BE49-F238E27FC236}">
+                <a16:creationId xmlns:a16="http://schemas.microsoft.com/office/drawing/2014/main" id="{F9F0484C-928F-A541-8692-A585EE42ACEC}"/>
+              </a:ext>
+            </a:extLst>
+          </p:cNvPr>
+          <p:cNvPicPr>
+            <a:picLocks noChangeAspect="1"/>
+          </p:cNvPicPr>
+          <p:nvPr/>
+        </p:nvPicPr>
+        <p:blipFill>
+          <a:blip r:embed="rId8"/>
+          <a:stretch>
+            <a:fillRect/>
+          </a:stretch>
+        </p:blipFill>
+        <p:spPr>
+          <a:xfrm>
+            <a:off x="8802010" y="2893785"/>
+            <a:ext cx="3441700" cy="3835400"/>
+          </a:xfrm>
+          <a:prstGeom prst="rect">
+            <a:avLst/>
+          </a:prstGeom>
+        </p:spPr>
+      </p:pic>
+      <p:pic>
+        <p:nvPicPr>
+          <p:cNvPr id="12" name="Picture 11">
+            <a:extLst>
+              <a:ext uri="{FF2B5EF4-FFF2-40B4-BE49-F238E27FC236}">
+                <a16:creationId xmlns:a16="http://schemas.microsoft.com/office/drawing/2014/main" id="{FD81FAEA-906E-4E42-B1FB-631308F0B3B1}"/>
+              </a:ext>
+            </a:extLst>
+          </p:cNvPr>
+          <p:cNvPicPr>
+            <a:picLocks noChangeAspect="1"/>
+          </p:cNvPicPr>
+          <p:nvPr/>
+        </p:nvPicPr>
+        <p:blipFill>
+          <a:blip r:embed="rId9"/>
+          <a:stretch>
+            <a:fillRect/>
+          </a:stretch>
+        </p:blipFill>
+        <p:spPr>
+          <a:xfrm>
+            <a:off x="6546852" y="2893785"/>
+            <a:ext cx="3441700" cy="3835400"/>
+          </a:xfrm>
+          <a:prstGeom prst="rect">
+            <a:avLst/>
+          </a:prstGeom>
+        </p:spPr>
+      </p:pic>
     </p:spTree>
     <p:extLst>
       <p:ext uri="{BB962C8B-B14F-4D97-AF65-F5344CB8AC3E}">
         <p14:creationId xmlns:p14="http://schemas.microsoft.com/office/powerpoint/2010/main" val="3602256974"/>
+      </p:ext>
+    </p:extLst>
+  </p:cSld>
+  <p:clrMapOvr>
+    <a:masterClrMapping/>
+  </p:clrMapOvr>
+</p:sld>
+</file>
+
+<file path=ppt/slides/slide3.xml><?xml version="1.0" encoding="utf-8"?>
+<p:sld xmlns:a="http://schemas.openxmlformats.org/drawingml/2006/main" xmlns:r="http://schemas.openxmlformats.org/officeDocument/2006/relationships" xmlns:p="http://schemas.openxmlformats.org/presentationml/2006/main">
+  <p:cSld>
+    <p:spTree>
+      <p:nvGrpSpPr>
+        <p:cNvPr id="1" name=""/>
+        <p:cNvGrpSpPr/>
+        <p:nvPr/>
+      </p:nvGrpSpPr>
+      <p:grpSpPr>
+        <a:xfrm>
+          <a:off x="0" y="0"/>
+          <a:ext cx="0" cy="0"/>
+          <a:chOff x="0" y="0"/>
+          <a:chExt cx="0" cy="0"/>
+        </a:xfrm>
+      </p:grpSpPr>
+      <p:pic>
+        <p:nvPicPr>
+          <p:cNvPr id="5" name="Picture 4">
+            <a:extLst>
+              <a:ext uri="{FF2B5EF4-FFF2-40B4-BE49-F238E27FC236}">
+                <a16:creationId xmlns:a16="http://schemas.microsoft.com/office/drawing/2014/main" id="{3FBE0A8C-5337-7441-8606-696F79A7AC6D}"/>
+              </a:ext>
+            </a:extLst>
+          </p:cNvPr>
+          <p:cNvPicPr>
+            <a:picLocks noChangeAspect="1"/>
+          </p:cNvPicPr>
+          <p:nvPr/>
+        </p:nvPicPr>
+        <p:blipFill>
+          <a:blip r:embed="rId2"/>
+          <a:stretch>
+            <a:fillRect/>
+          </a:stretch>
+        </p:blipFill>
+        <p:spPr>
+          <a:xfrm>
+            <a:off x="1840820" y="602342"/>
+            <a:ext cx="3441700" cy="3835400"/>
+          </a:xfrm>
+          <a:prstGeom prst="rect">
+            <a:avLst/>
+          </a:prstGeom>
+        </p:spPr>
+      </p:pic>
+      <p:pic>
+        <p:nvPicPr>
+          <p:cNvPr id="6" name="Picture 5">
+            <a:extLst>
+              <a:ext uri="{FF2B5EF4-FFF2-40B4-BE49-F238E27FC236}">
+                <a16:creationId xmlns:a16="http://schemas.microsoft.com/office/drawing/2014/main" id="{122B34B2-DD89-6944-9134-AE5C1BFDBACF}"/>
+              </a:ext>
+            </a:extLst>
+          </p:cNvPr>
+          <p:cNvPicPr>
+            <a:picLocks noChangeAspect="1"/>
+          </p:cNvPicPr>
+          <p:nvPr/>
+        </p:nvPicPr>
+        <p:blipFill>
+          <a:blip r:embed="rId3"/>
+          <a:stretch>
+            <a:fillRect/>
+          </a:stretch>
+        </p:blipFill>
+        <p:spPr>
+          <a:xfrm>
+            <a:off x="4089399" y="602342"/>
+            <a:ext cx="3441700" cy="3835400"/>
+          </a:xfrm>
+          <a:prstGeom prst="rect">
+            <a:avLst/>
+          </a:prstGeom>
+        </p:spPr>
+      </p:pic>
+      <p:pic>
+        <p:nvPicPr>
+          <p:cNvPr id="7" name="Picture 6">
+            <a:extLst>
+              <a:ext uri="{FF2B5EF4-FFF2-40B4-BE49-F238E27FC236}">
+                <a16:creationId xmlns:a16="http://schemas.microsoft.com/office/drawing/2014/main" id="{DF1E5879-7A40-4849-89A8-E986FB7E2C1C}"/>
+              </a:ext>
+            </a:extLst>
+          </p:cNvPr>
+          <p:cNvPicPr>
+            <a:picLocks noChangeAspect="1"/>
+          </p:cNvPicPr>
+          <p:nvPr/>
+        </p:nvPicPr>
+        <p:blipFill>
+          <a:blip r:embed="rId4"/>
+          <a:stretch>
+            <a:fillRect/>
+          </a:stretch>
+        </p:blipFill>
+        <p:spPr>
+          <a:xfrm>
+            <a:off x="1839232" y="3144156"/>
+            <a:ext cx="3441700" cy="3835400"/>
+          </a:xfrm>
+          <a:prstGeom prst="rect">
+            <a:avLst/>
+          </a:prstGeom>
+        </p:spPr>
+      </p:pic>
+      <p:pic>
+        <p:nvPicPr>
+          <p:cNvPr id="8" name="Picture 7">
+            <a:extLst>
+              <a:ext uri="{FF2B5EF4-FFF2-40B4-BE49-F238E27FC236}">
+                <a16:creationId xmlns:a16="http://schemas.microsoft.com/office/drawing/2014/main" id="{A72B3F44-A7CC-FF46-8C49-2C8286947E9D}"/>
+              </a:ext>
+            </a:extLst>
+          </p:cNvPr>
+          <p:cNvPicPr>
+            <a:picLocks noChangeAspect="1"/>
+          </p:cNvPicPr>
+          <p:nvPr/>
+        </p:nvPicPr>
+        <p:blipFill>
+          <a:blip r:embed="rId5"/>
+          <a:stretch>
+            <a:fillRect/>
+          </a:stretch>
+        </p:blipFill>
+        <p:spPr>
+          <a:xfrm>
+            <a:off x="6363607" y="602342"/>
+            <a:ext cx="3441700" cy="3835400"/>
+          </a:xfrm>
+          <a:prstGeom prst="rect">
+            <a:avLst/>
+          </a:prstGeom>
+        </p:spPr>
+      </p:pic>
+      <p:pic>
+        <p:nvPicPr>
+          <p:cNvPr id="9" name="Picture 8">
+            <a:extLst>
+              <a:ext uri="{FF2B5EF4-FFF2-40B4-BE49-F238E27FC236}">
+                <a16:creationId xmlns:a16="http://schemas.microsoft.com/office/drawing/2014/main" id="{FBD1DBB9-88FD-B645-9447-630851B8A832}"/>
+              </a:ext>
+            </a:extLst>
+          </p:cNvPr>
+          <p:cNvPicPr>
+            <a:picLocks noChangeAspect="1"/>
+          </p:cNvPicPr>
+          <p:nvPr/>
+        </p:nvPicPr>
+        <p:blipFill>
+          <a:blip r:embed="rId6"/>
+          <a:stretch>
+            <a:fillRect/>
+          </a:stretch>
+        </p:blipFill>
+        <p:spPr>
+          <a:xfrm>
+            <a:off x="6363607" y="3144156"/>
+            <a:ext cx="3441700" cy="3835400"/>
+          </a:xfrm>
+          <a:prstGeom prst="rect">
+            <a:avLst/>
+          </a:prstGeom>
+        </p:spPr>
+      </p:pic>
+      <p:pic>
+        <p:nvPicPr>
+          <p:cNvPr id="10" name="Picture 9">
+            <a:extLst>
+              <a:ext uri="{FF2B5EF4-FFF2-40B4-BE49-F238E27FC236}">
+                <a16:creationId xmlns:a16="http://schemas.microsoft.com/office/drawing/2014/main" id="{272D2863-A79D-6547-81A3-C19A5A490C0E}"/>
+              </a:ext>
+            </a:extLst>
+          </p:cNvPr>
+          <p:cNvPicPr>
+            <a:picLocks noChangeAspect="1"/>
+          </p:cNvPicPr>
+          <p:nvPr/>
+        </p:nvPicPr>
+        <p:blipFill>
+          <a:blip r:embed="rId7"/>
+          <a:stretch>
+            <a:fillRect/>
+          </a:stretch>
+        </p:blipFill>
+        <p:spPr>
+          <a:xfrm>
+            <a:off x="4108449" y="3144156"/>
+            <a:ext cx="3441700" cy="3835400"/>
+          </a:xfrm>
+          <a:prstGeom prst="rect">
+            <a:avLst/>
+          </a:prstGeom>
+        </p:spPr>
+      </p:pic>
+    </p:spTree>
+    <p:extLst>
+      <p:ext uri="{BB962C8B-B14F-4D97-AF65-F5344CB8AC3E}">
+        <p14:creationId xmlns:p14="http://schemas.microsoft.com/office/powerpoint/2010/main" val="3885148970"/>
       </p:ext>
     </p:extLst>
   </p:cSld>

--- a/figures/resources/lut.pptx
+++ b/figures/resources/lut.pptx
@@ -199,7 +199,7 @@
           <a:p>
             <a:fld id="{2E6BD66F-E326-B349-8911-9CEB3346DCEC}" type="datetimeFigureOut">
               <a:rPr lang="de-DE" smtClean="0"/>
-              <a:t>18.01.21</a:t>
+              <a:t>11.02.2026</a:t>
             </a:fld>
             <a:endParaRPr lang="de-DE"/>
           </a:p>
@@ -725,7 +725,7 @@
           <a:p>
             <a:fld id="{2D97518A-9C42-7B47-83BE-724D8D9BB307}" type="datetimeFigureOut">
               <a:rPr lang="de-DE" smtClean="0"/>
-              <a:t>18.01.21</a:t>
+              <a:t>11.02.2026</a:t>
             </a:fld>
             <a:endParaRPr lang="de-DE"/>
           </a:p>
@@ -925,7 +925,7 @@
           <a:p>
             <a:fld id="{2D97518A-9C42-7B47-83BE-724D8D9BB307}" type="datetimeFigureOut">
               <a:rPr lang="de-DE" smtClean="0"/>
-              <a:t>18.01.21</a:t>
+              <a:t>11.02.2026</a:t>
             </a:fld>
             <a:endParaRPr lang="de-DE"/>
           </a:p>
@@ -1135,7 +1135,7 @@
           <a:p>
             <a:fld id="{2D97518A-9C42-7B47-83BE-724D8D9BB307}" type="datetimeFigureOut">
               <a:rPr lang="de-DE" smtClean="0"/>
-              <a:t>18.01.21</a:t>
+              <a:t>11.02.2026</a:t>
             </a:fld>
             <a:endParaRPr lang="de-DE"/>
           </a:p>
@@ -1945,7 +1945,7 @@
           <a:p>
             <a:fld id="{2D97518A-9C42-7B47-83BE-724D8D9BB307}" type="datetimeFigureOut">
               <a:rPr lang="de-DE" smtClean="0"/>
-              <a:t>18.01.21</a:t>
+              <a:t>11.02.2026</a:t>
             </a:fld>
             <a:endParaRPr lang="de-DE"/>
           </a:p>
@@ -2221,7 +2221,7 @@
           <a:p>
             <a:fld id="{2D97518A-9C42-7B47-83BE-724D8D9BB307}" type="datetimeFigureOut">
               <a:rPr lang="de-DE" smtClean="0"/>
-              <a:t>18.01.21</a:t>
+              <a:t>11.02.2026</a:t>
             </a:fld>
             <a:endParaRPr lang="de-DE"/>
           </a:p>
@@ -2489,7 +2489,7 @@
           <a:p>
             <a:fld id="{2D97518A-9C42-7B47-83BE-724D8D9BB307}" type="datetimeFigureOut">
               <a:rPr lang="de-DE" smtClean="0"/>
-              <a:t>18.01.21</a:t>
+              <a:t>11.02.2026</a:t>
             </a:fld>
             <a:endParaRPr lang="de-DE"/>
           </a:p>
@@ -2904,7 +2904,7 @@
           <a:p>
             <a:fld id="{2D97518A-9C42-7B47-83BE-724D8D9BB307}" type="datetimeFigureOut">
               <a:rPr lang="de-DE" smtClean="0"/>
-              <a:t>18.01.21</a:t>
+              <a:t>11.02.2026</a:t>
             </a:fld>
             <a:endParaRPr lang="de-DE"/>
           </a:p>
@@ -3046,7 +3046,7 @@
           <a:p>
             <a:fld id="{2D97518A-9C42-7B47-83BE-724D8D9BB307}" type="datetimeFigureOut">
               <a:rPr lang="de-DE" smtClean="0"/>
-              <a:t>18.01.21</a:t>
+              <a:t>11.02.2026</a:t>
             </a:fld>
             <a:endParaRPr lang="de-DE"/>
           </a:p>
@@ -3159,7 +3159,7 @@
           <a:p>
             <a:fld id="{2D97518A-9C42-7B47-83BE-724D8D9BB307}" type="datetimeFigureOut">
               <a:rPr lang="de-DE" smtClean="0"/>
-              <a:t>18.01.21</a:t>
+              <a:t>11.02.2026</a:t>
             </a:fld>
             <a:endParaRPr lang="de-DE"/>
           </a:p>
@@ -3472,7 +3472,7 @@
           <a:p>
             <a:fld id="{2D97518A-9C42-7B47-83BE-724D8D9BB307}" type="datetimeFigureOut">
               <a:rPr lang="de-DE" smtClean="0"/>
-              <a:t>18.01.21</a:t>
+              <a:t>11.02.2026</a:t>
             </a:fld>
             <a:endParaRPr lang="de-DE"/>
           </a:p>
@@ -3761,7 +3761,7 @@
           <a:p>
             <a:fld id="{2D97518A-9C42-7B47-83BE-724D8D9BB307}" type="datetimeFigureOut">
               <a:rPr lang="de-DE" smtClean="0"/>
-              <a:t>18.01.21</a:t>
+              <a:t>11.02.2026</a:t>
             </a:fld>
             <a:endParaRPr lang="de-DE"/>
           </a:p>
@@ -4004,7 +4004,7 @@
           <a:p>
             <a:fld id="{2D97518A-9C42-7B47-83BE-724D8D9BB307}" type="datetimeFigureOut">
               <a:rPr lang="de-DE" smtClean="0"/>
-              <a:t>18.01.21</a:t>
+              <a:t>11.02.2026</a:t>
             </a:fld>
             <a:endParaRPr lang="de-DE"/>
           </a:p>
@@ -4490,37 +4490,40 @@
       </p:grpSpPr>
       <p:pic>
         <p:nvPicPr>
-          <p:cNvPr id="144" name="Google Shape;144;p18" descr="Google Shape;149;p19"/>
-          <p:cNvPicPr preferRelativeResize="0"/>
+          <p:cNvPr id="7" name="Picture 6">
+            <a:extLst>
+              <a:ext uri="{FF2B5EF4-FFF2-40B4-BE49-F238E27FC236}">
+                <a16:creationId xmlns:a16="http://schemas.microsoft.com/office/drawing/2014/main" id="{A71E82F9-5E82-E246-A872-A97928C8B893}"/>
+              </a:ext>
+            </a:extLst>
+          </p:cNvPr>
+          <p:cNvPicPr>
+            <a:picLocks noChangeAspect="1"/>
+          </p:cNvPicPr>
           <p:nvPr/>
         </p:nvPicPr>
-        <p:blipFill rotWithShape="1">
-          <a:blip r:embed="rId3">
-            <a:alphaModFix/>
-          </a:blip>
-          <a:srcRect l="3260" t="7662" r="5878" b="4637"/>
-          <a:stretch/>
+        <p:blipFill>
+          <a:blip r:embed="rId3"/>
+          <a:stretch>
+            <a:fillRect/>
+          </a:stretch>
         </p:blipFill>
         <p:spPr>
           <a:xfrm>
-            <a:off x="578881" y="1524000"/>
-            <a:ext cx="4080004" cy="3530395"/>
+            <a:off x="4700334" y="351971"/>
+            <a:ext cx="3441700" cy="3835400"/>
           </a:xfrm>
           <a:prstGeom prst="rect">
             <a:avLst/>
           </a:prstGeom>
-          <a:noFill/>
-          <a:ln>
-            <a:noFill/>
-          </a:ln>
         </p:spPr>
       </p:pic>
       <p:pic>
         <p:nvPicPr>
-          <p:cNvPr id="7" name="Picture 6">
-            <a:extLst>
-              <a:ext uri="{FF2B5EF4-FFF2-40B4-BE49-F238E27FC236}">
-                <a16:creationId xmlns:a16="http://schemas.microsoft.com/office/drawing/2014/main" id="{A71E82F9-5E82-E246-A872-A97928C8B893}"/>
+          <p:cNvPr id="8" name="Picture 7">
+            <a:extLst>
+              <a:ext uri="{FF2B5EF4-FFF2-40B4-BE49-F238E27FC236}">
+                <a16:creationId xmlns:a16="http://schemas.microsoft.com/office/drawing/2014/main" id="{64BA3EEA-D7F1-B04F-9B77-BC1A7C23B2C9}"/>
               </a:ext>
             </a:extLst>
           </p:cNvPr>
@@ -4537,7 +4540,7 @@
         </p:blipFill>
         <p:spPr>
           <a:xfrm>
-            <a:off x="4279223" y="351971"/>
+            <a:off x="6948913" y="351971"/>
             <a:ext cx="3441700" cy="3835400"/>
           </a:xfrm>
           <a:prstGeom prst="rect">
@@ -4547,10 +4550,10 @@
       </p:pic>
       <p:pic>
         <p:nvPicPr>
-          <p:cNvPr id="8" name="Picture 7">
-            <a:extLst>
-              <a:ext uri="{FF2B5EF4-FFF2-40B4-BE49-F238E27FC236}">
-                <a16:creationId xmlns:a16="http://schemas.microsoft.com/office/drawing/2014/main" id="{64BA3EEA-D7F1-B04F-9B77-BC1A7C23B2C9}"/>
+          <p:cNvPr id="9" name="Picture 8">
+            <a:extLst>
+              <a:ext uri="{FF2B5EF4-FFF2-40B4-BE49-F238E27FC236}">
+                <a16:creationId xmlns:a16="http://schemas.microsoft.com/office/drawing/2014/main" id="{209122AA-1C8D-084D-B171-A960075CD7E1}"/>
               </a:ext>
             </a:extLst>
           </p:cNvPr>
@@ -4567,7 +4570,7 @@
         </p:blipFill>
         <p:spPr>
           <a:xfrm>
-            <a:off x="6527802" y="351971"/>
+            <a:off x="4698746" y="2893785"/>
             <a:ext cx="3441700" cy="3835400"/>
           </a:xfrm>
           <a:prstGeom prst="rect">
@@ -4577,10 +4580,10 @@
       </p:pic>
       <p:pic>
         <p:nvPicPr>
-          <p:cNvPr id="9" name="Picture 8">
-            <a:extLst>
-              <a:ext uri="{FF2B5EF4-FFF2-40B4-BE49-F238E27FC236}">
-                <a16:creationId xmlns:a16="http://schemas.microsoft.com/office/drawing/2014/main" id="{209122AA-1C8D-084D-B171-A960075CD7E1}"/>
+          <p:cNvPr id="10" name="Picture 9">
+            <a:extLst>
+              <a:ext uri="{FF2B5EF4-FFF2-40B4-BE49-F238E27FC236}">
+                <a16:creationId xmlns:a16="http://schemas.microsoft.com/office/drawing/2014/main" id="{E5BB36E2-5B4A-B44A-A385-5DE153F2BE47}"/>
               </a:ext>
             </a:extLst>
           </p:cNvPr>
@@ -4597,7 +4600,7 @@
         </p:blipFill>
         <p:spPr>
           <a:xfrm>
-            <a:off x="4277635" y="2893785"/>
+            <a:off x="9223121" y="351971"/>
             <a:ext cx="3441700" cy="3835400"/>
           </a:xfrm>
           <a:prstGeom prst="rect">
@@ -4607,10 +4610,10 @@
       </p:pic>
       <p:pic>
         <p:nvPicPr>
-          <p:cNvPr id="10" name="Picture 9">
-            <a:extLst>
-              <a:ext uri="{FF2B5EF4-FFF2-40B4-BE49-F238E27FC236}">
-                <a16:creationId xmlns:a16="http://schemas.microsoft.com/office/drawing/2014/main" id="{E5BB36E2-5B4A-B44A-A385-5DE153F2BE47}"/>
+          <p:cNvPr id="11" name="Picture 10">
+            <a:extLst>
+              <a:ext uri="{FF2B5EF4-FFF2-40B4-BE49-F238E27FC236}">
+                <a16:creationId xmlns:a16="http://schemas.microsoft.com/office/drawing/2014/main" id="{F9F0484C-928F-A541-8692-A585EE42ACEC}"/>
               </a:ext>
             </a:extLst>
           </p:cNvPr>
@@ -4627,7 +4630,7 @@
         </p:blipFill>
         <p:spPr>
           <a:xfrm>
-            <a:off x="8802010" y="351971"/>
+            <a:off x="9223121" y="2893785"/>
             <a:ext cx="3441700" cy="3835400"/>
           </a:xfrm>
           <a:prstGeom prst="rect">
@@ -4637,10 +4640,10 @@
       </p:pic>
       <p:pic>
         <p:nvPicPr>
-          <p:cNvPr id="11" name="Picture 10">
-            <a:extLst>
-              <a:ext uri="{FF2B5EF4-FFF2-40B4-BE49-F238E27FC236}">
-                <a16:creationId xmlns:a16="http://schemas.microsoft.com/office/drawing/2014/main" id="{F9F0484C-928F-A541-8692-A585EE42ACEC}"/>
+          <p:cNvPr id="12" name="Picture 11">
+            <a:extLst>
+              <a:ext uri="{FF2B5EF4-FFF2-40B4-BE49-F238E27FC236}">
+                <a16:creationId xmlns:a16="http://schemas.microsoft.com/office/drawing/2014/main" id="{FD81FAEA-906E-4E42-B1FB-631308F0B3B1}"/>
               </a:ext>
             </a:extLst>
           </p:cNvPr>
@@ -4657,7 +4660,7 @@
         </p:blipFill>
         <p:spPr>
           <a:xfrm>
-            <a:off x="8802010" y="2893785"/>
+            <a:off x="6967963" y="2893785"/>
             <a:ext cx="3441700" cy="3835400"/>
           </a:xfrm>
           <a:prstGeom prst="rect">
@@ -4667,10 +4670,10 @@
       </p:pic>
       <p:pic>
         <p:nvPicPr>
-          <p:cNvPr id="12" name="Picture 11">
-            <a:extLst>
-              <a:ext uri="{FF2B5EF4-FFF2-40B4-BE49-F238E27FC236}">
-                <a16:creationId xmlns:a16="http://schemas.microsoft.com/office/drawing/2014/main" id="{FD81FAEA-906E-4E42-B1FB-631308F0B3B1}"/>
+          <p:cNvPr id="3" name="Picture 2">
+            <a:extLst>
+              <a:ext uri="{FF2B5EF4-FFF2-40B4-BE49-F238E27FC236}">
+                <a16:creationId xmlns:a16="http://schemas.microsoft.com/office/drawing/2014/main" id="{D27666CF-42AD-46AE-C496-2DACFEAB588F}"/>
               </a:ext>
             </a:extLst>
           </p:cNvPr>
@@ -4687,8 +4690,8 @@
         </p:blipFill>
         <p:spPr>
           <a:xfrm>
-            <a:off x="6546852" y="2893785"/>
-            <a:ext cx="3441700" cy="3835400"/>
+            <a:off x="164530" y="825020"/>
+            <a:ext cx="5042452" cy="4966179"/>
           </a:xfrm>
           <a:prstGeom prst="rect">
             <a:avLst/>

--- a/figures/resources/lut.pptx
+++ b/figures/resources/lut.pptx
@@ -199,7 +199,7 @@
           <a:p>
             <a:fld id="{2E6BD66F-E326-B349-8911-9CEB3346DCEC}" type="datetimeFigureOut">
               <a:rPr lang="de-DE" smtClean="0"/>
-              <a:t>11.02.2026</a:t>
+              <a:t>17.02.2026</a:t>
             </a:fld>
             <a:endParaRPr lang="de-DE"/>
           </a:p>
@@ -725,7 +725,7 @@
           <a:p>
             <a:fld id="{2D97518A-9C42-7B47-83BE-724D8D9BB307}" type="datetimeFigureOut">
               <a:rPr lang="de-DE" smtClean="0"/>
-              <a:t>11.02.2026</a:t>
+              <a:t>17.02.2026</a:t>
             </a:fld>
             <a:endParaRPr lang="de-DE"/>
           </a:p>
@@ -925,7 +925,7 @@
           <a:p>
             <a:fld id="{2D97518A-9C42-7B47-83BE-724D8D9BB307}" type="datetimeFigureOut">
               <a:rPr lang="de-DE" smtClean="0"/>
-              <a:t>11.02.2026</a:t>
+              <a:t>17.02.2026</a:t>
             </a:fld>
             <a:endParaRPr lang="de-DE"/>
           </a:p>
@@ -1135,7 +1135,7 @@
           <a:p>
             <a:fld id="{2D97518A-9C42-7B47-83BE-724D8D9BB307}" type="datetimeFigureOut">
               <a:rPr lang="de-DE" smtClean="0"/>
-              <a:t>11.02.2026</a:t>
+              <a:t>17.02.2026</a:t>
             </a:fld>
             <a:endParaRPr lang="de-DE"/>
           </a:p>
@@ -1945,7 +1945,7 @@
           <a:p>
             <a:fld id="{2D97518A-9C42-7B47-83BE-724D8D9BB307}" type="datetimeFigureOut">
               <a:rPr lang="de-DE" smtClean="0"/>
-              <a:t>11.02.2026</a:t>
+              <a:t>17.02.2026</a:t>
             </a:fld>
             <a:endParaRPr lang="de-DE"/>
           </a:p>
@@ -2221,7 +2221,7 @@
           <a:p>
             <a:fld id="{2D97518A-9C42-7B47-83BE-724D8D9BB307}" type="datetimeFigureOut">
               <a:rPr lang="de-DE" smtClean="0"/>
-              <a:t>11.02.2026</a:t>
+              <a:t>17.02.2026</a:t>
             </a:fld>
             <a:endParaRPr lang="de-DE"/>
           </a:p>
@@ -2489,7 +2489,7 @@
           <a:p>
             <a:fld id="{2D97518A-9C42-7B47-83BE-724D8D9BB307}" type="datetimeFigureOut">
               <a:rPr lang="de-DE" smtClean="0"/>
-              <a:t>11.02.2026</a:t>
+              <a:t>17.02.2026</a:t>
             </a:fld>
             <a:endParaRPr lang="de-DE"/>
           </a:p>
@@ -2904,7 +2904,7 @@
           <a:p>
             <a:fld id="{2D97518A-9C42-7B47-83BE-724D8D9BB307}" type="datetimeFigureOut">
               <a:rPr lang="de-DE" smtClean="0"/>
-              <a:t>11.02.2026</a:t>
+              <a:t>17.02.2026</a:t>
             </a:fld>
             <a:endParaRPr lang="de-DE"/>
           </a:p>
@@ -3046,7 +3046,7 @@
           <a:p>
             <a:fld id="{2D97518A-9C42-7B47-83BE-724D8D9BB307}" type="datetimeFigureOut">
               <a:rPr lang="de-DE" smtClean="0"/>
-              <a:t>11.02.2026</a:t>
+              <a:t>17.02.2026</a:t>
             </a:fld>
             <a:endParaRPr lang="de-DE"/>
           </a:p>
@@ -3159,7 +3159,7 @@
           <a:p>
             <a:fld id="{2D97518A-9C42-7B47-83BE-724D8D9BB307}" type="datetimeFigureOut">
               <a:rPr lang="de-DE" smtClean="0"/>
-              <a:t>11.02.2026</a:t>
+              <a:t>17.02.2026</a:t>
             </a:fld>
             <a:endParaRPr lang="de-DE"/>
           </a:p>
@@ -3472,7 +3472,7 @@
           <a:p>
             <a:fld id="{2D97518A-9C42-7B47-83BE-724D8D9BB307}" type="datetimeFigureOut">
               <a:rPr lang="de-DE" smtClean="0"/>
-              <a:t>11.02.2026</a:t>
+              <a:t>17.02.2026</a:t>
             </a:fld>
             <a:endParaRPr lang="de-DE"/>
           </a:p>
@@ -3761,7 +3761,7 @@
           <a:p>
             <a:fld id="{2D97518A-9C42-7B47-83BE-724D8D9BB307}" type="datetimeFigureOut">
               <a:rPr lang="de-DE" smtClean="0"/>
-              <a:t>11.02.2026</a:t>
+              <a:t>17.02.2026</a:t>
             </a:fld>
             <a:endParaRPr lang="de-DE"/>
           </a:p>
@@ -4004,7 +4004,7 @@
           <a:p>
             <a:fld id="{2D97518A-9C42-7B47-83BE-724D8D9BB307}" type="datetimeFigureOut">
               <a:rPr lang="de-DE" smtClean="0"/>
-              <a:t>11.02.2026</a:t>
+              <a:t>17.02.2026</a:t>
             </a:fld>
             <a:endParaRPr lang="de-DE"/>
           </a:p>
@@ -4488,216 +4488,117 @@
           <a:chExt cx="0" cy="0"/>
         </a:xfrm>
       </p:grpSpPr>
-      <p:pic>
-        <p:nvPicPr>
-          <p:cNvPr id="7" name="Picture 6">
-            <a:extLst>
-              <a:ext uri="{FF2B5EF4-FFF2-40B4-BE49-F238E27FC236}">
-                <a16:creationId xmlns:a16="http://schemas.microsoft.com/office/drawing/2014/main" id="{A71E82F9-5E82-E246-A872-A97928C8B893}"/>
-              </a:ext>
-            </a:extLst>
-          </p:cNvPr>
-          <p:cNvPicPr>
-            <a:picLocks noChangeAspect="1"/>
-          </p:cNvPicPr>
+      <p:grpSp>
+        <p:nvGrpSpPr>
+          <p:cNvPr id="21" name="Group 20">
+            <a:extLst>
+              <a:ext uri="{FF2B5EF4-FFF2-40B4-BE49-F238E27FC236}">
+                <a16:creationId xmlns:a16="http://schemas.microsoft.com/office/drawing/2014/main" id="{ADE1A8B2-EFF2-1CED-7B98-8DEB10DB9E70}"/>
+              </a:ext>
+            </a:extLst>
+          </p:cNvPr>
+          <p:cNvGrpSpPr/>
           <p:nvPr/>
-        </p:nvPicPr>
-        <p:blipFill>
-          <a:blip r:embed="rId3"/>
-          <a:stretch>
-            <a:fillRect/>
-          </a:stretch>
-        </p:blipFill>
-        <p:spPr>
+        </p:nvGrpSpPr>
+        <p:grpSpPr>
           <a:xfrm>
-            <a:off x="4700334" y="351971"/>
-            <a:ext cx="3441700" cy="3835400"/>
+            <a:off x="2675213" y="2148840"/>
+            <a:ext cx="6769777" cy="2175433"/>
+            <a:chOff x="2675213" y="2531418"/>
+            <a:chExt cx="5691693" cy="1792855"/>
           </a:xfrm>
-          <a:prstGeom prst="rect">
-            <a:avLst/>
-          </a:prstGeom>
-        </p:spPr>
-      </p:pic>
-      <p:pic>
-        <p:nvPicPr>
-          <p:cNvPr id="8" name="Picture 7">
-            <a:extLst>
-              <a:ext uri="{FF2B5EF4-FFF2-40B4-BE49-F238E27FC236}">
-                <a16:creationId xmlns:a16="http://schemas.microsoft.com/office/drawing/2014/main" id="{64BA3EEA-D7F1-B04F-9B77-BC1A7C23B2C9}"/>
-              </a:ext>
-            </a:extLst>
-          </p:cNvPr>
-          <p:cNvPicPr>
-            <a:picLocks noChangeAspect="1"/>
-          </p:cNvPicPr>
-          <p:nvPr/>
-        </p:nvPicPr>
-        <p:blipFill>
-          <a:blip r:embed="rId4"/>
-          <a:stretch>
-            <a:fillRect/>
-          </a:stretch>
-        </p:blipFill>
-        <p:spPr>
-          <a:xfrm>
-            <a:off x="6948913" y="351971"/>
-            <a:ext cx="3441700" cy="3835400"/>
-          </a:xfrm>
-          <a:prstGeom prst="rect">
-            <a:avLst/>
-          </a:prstGeom>
-        </p:spPr>
-      </p:pic>
-      <p:pic>
-        <p:nvPicPr>
-          <p:cNvPr id="9" name="Picture 8">
-            <a:extLst>
-              <a:ext uri="{FF2B5EF4-FFF2-40B4-BE49-F238E27FC236}">
-                <a16:creationId xmlns:a16="http://schemas.microsoft.com/office/drawing/2014/main" id="{209122AA-1C8D-084D-B171-A960075CD7E1}"/>
-              </a:ext>
-            </a:extLst>
-          </p:cNvPr>
-          <p:cNvPicPr>
-            <a:picLocks noChangeAspect="1"/>
-          </p:cNvPicPr>
-          <p:nvPr/>
-        </p:nvPicPr>
-        <p:blipFill>
-          <a:blip r:embed="rId5"/>
-          <a:stretch>
-            <a:fillRect/>
-          </a:stretch>
-        </p:blipFill>
-        <p:spPr>
-          <a:xfrm>
-            <a:off x="4698746" y="2893785"/>
-            <a:ext cx="3441700" cy="3835400"/>
-          </a:xfrm>
-          <a:prstGeom prst="rect">
-            <a:avLst/>
-          </a:prstGeom>
-        </p:spPr>
-      </p:pic>
-      <p:pic>
-        <p:nvPicPr>
-          <p:cNvPr id="10" name="Picture 9">
-            <a:extLst>
-              <a:ext uri="{FF2B5EF4-FFF2-40B4-BE49-F238E27FC236}">
-                <a16:creationId xmlns:a16="http://schemas.microsoft.com/office/drawing/2014/main" id="{E5BB36E2-5B4A-B44A-A385-5DE153F2BE47}"/>
-              </a:ext>
-            </a:extLst>
-          </p:cNvPr>
-          <p:cNvPicPr>
-            <a:picLocks noChangeAspect="1"/>
-          </p:cNvPicPr>
-          <p:nvPr/>
-        </p:nvPicPr>
-        <p:blipFill>
-          <a:blip r:embed="rId6"/>
-          <a:stretch>
-            <a:fillRect/>
-          </a:stretch>
-        </p:blipFill>
-        <p:spPr>
-          <a:xfrm>
-            <a:off x="9223121" y="351971"/>
-            <a:ext cx="3441700" cy="3835400"/>
-          </a:xfrm>
-          <a:prstGeom prst="rect">
-            <a:avLst/>
-          </a:prstGeom>
-        </p:spPr>
-      </p:pic>
-      <p:pic>
-        <p:nvPicPr>
-          <p:cNvPr id="11" name="Picture 10">
-            <a:extLst>
-              <a:ext uri="{FF2B5EF4-FFF2-40B4-BE49-F238E27FC236}">
-                <a16:creationId xmlns:a16="http://schemas.microsoft.com/office/drawing/2014/main" id="{F9F0484C-928F-A541-8692-A585EE42ACEC}"/>
-              </a:ext>
-            </a:extLst>
-          </p:cNvPr>
-          <p:cNvPicPr>
-            <a:picLocks noChangeAspect="1"/>
-          </p:cNvPicPr>
-          <p:nvPr/>
-        </p:nvPicPr>
-        <p:blipFill>
-          <a:blip r:embed="rId7"/>
-          <a:stretch>
-            <a:fillRect/>
-          </a:stretch>
-        </p:blipFill>
-        <p:spPr>
-          <a:xfrm>
-            <a:off x="9223121" y="2893785"/>
-            <a:ext cx="3441700" cy="3835400"/>
-          </a:xfrm>
-          <a:prstGeom prst="rect">
-            <a:avLst/>
-          </a:prstGeom>
-        </p:spPr>
-      </p:pic>
-      <p:pic>
-        <p:nvPicPr>
-          <p:cNvPr id="12" name="Picture 11">
-            <a:extLst>
-              <a:ext uri="{FF2B5EF4-FFF2-40B4-BE49-F238E27FC236}">
-                <a16:creationId xmlns:a16="http://schemas.microsoft.com/office/drawing/2014/main" id="{FD81FAEA-906E-4E42-B1FB-631308F0B3B1}"/>
-              </a:ext>
-            </a:extLst>
-          </p:cNvPr>
-          <p:cNvPicPr>
-            <a:picLocks noChangeAspect="1"/>
-          </p:cNvPicPr>
-          <p:nvPr/>
-        </p:nvPicPr>
-        <p:blipFill>
-          <a:blip r:embed="rId8"/>
-          <a:stretch>
-            <a:fillRect/>
-          </a:stretch>
-        </p:blipFill>
-        <p:spPr>
-          <a:xfrm>
-            <a:off x="6967963" y="2893785"/>
-            <a:ext cx="3441700" cy="3835400"/>
-          </a:xfrm>
-          <a:prstGeom prst="rect">
-            <a:avLst/>
-          </a:prstGeom>
-        </p:spPr>
-      </p:pic>
-      <p:pic>
-        <p:nvPicPr>
-          <p:cNvPr id="3" name="Picture 2">
-            <a:extLst>
-              <a:ext uri="{FF2B5EF4-FFF2-40B4-BE49-F238E27FC236}">
-                <a16:creationId xmlns:a16="http://schemas.microsoft.com/office/drawing/2014/main" id="{D27666CF-42AD-46AE-C496-2DACFEAB588F}"/>
-              </a:ext>
-            </a:extLst>
-          </p:cNvPr>
-          <p:cNvPicPr>
-            <a:picLocks noChangeAspect="1"/>
-          </p:cNvPicPr>
-          <p:nvPr/>
-        </p:nvPicPr>
-        <p:blipFill>
-          <a:blip r:embed="rId9"/>
-          <a:stretch>
-            <a:fillRect/>
-          </a:stretch>
-        </p:blipFill>
-        <p:spPr>
-          <a:xfrm>
-            <a:off x="164530" y="825020"/>
-            <a:ext cx="5042452" cy="4966179"/>
-          </a:xfrm>
-          <a:prstGeom prst="rect">
-            <a:avLst/>
-          </a:prstGeom>
-        </p:spPr>
-      </p:pic>
+        </p:grpSpPr>
+        <p:pic>
+          <p:nvPicPr>
+            <p:cNvPr id="16" name="Picture 15">
+              <a:extLst>
+                <a:ext uri="{FF2B5EF4-FFF2-40B4-BE49-F238E27FC236}">
+                  <a16:creationId xmlns:a16="http://schemas.microsoft.com/office/drawing/2014/main" id="{20328780-FADC-461F-A567-6FBA61738E85}"/>
+                </a:ext>
+              </a:extLst>
+            </p:cNvPr>
+            <p:cNvPicPr>
+              <a:picLocks noChangeAspect="1"/>
+            </p:cNvPicPr>
+            <p:nvPr/>
+          </p:nvPicPr>
+          <p:blipFill>
+            <a:blip r:embed="rId3"/>
+            <a:stretch>
+              <a:fillRect/>
+            </a:stretch>
+          </p:blipFill>
+          <p:spPr>
+            <a:xfrm>
+              <a:off x="2675213" y="2531418"/>
+              <a:ext cx="1817246" cy="1792854"/>
+            </a:xfrm>
+            <a:prstGeom prst="rect">
+              <a:avLst/>
+            </a:prstGeom>
+          </p:spPr>
+        </p:pic>
+        <p:pic>
+          <p:nvPicPr>
+            <p:cNvPr id="18" name="Picture 17">
+              <a:extLst>
+                <a:ext uri="{FF2B5EF4-FFF2-40B4-BE49-F238E27FC236}">
+                  <a16:creationId xmlns:a16="http://schemas.microsoft.com/office/drawing/2014/main" id="{DDAD8B2E-9849-97A4-27BA-890BFF096621}"/>
+                </a:ext>
+              </a:extLst>
+            </p:cNvPr>
+            <p:cNvPicPr>
+              <a:picLocks noChangeAspect="1"/>
+            </p:cNvPicPr>
+            <p:nvPr/>
+          </p:nvPicPr>
+          <p:blipFill>
+            <a:blip r:embed="rId4"/>
+            <a:stretch>
+              <a:fillRect/>
+            </a:stretch>
+          </p:blipFill>
+          <p:spPr>
+            <a:xfrm>
+              <a:off x="4616685" y="2531418"/>
+              <a:ext cx="1808748" cy="1792453"/>
+            </a:xfrm>
+            <a:prstGeom prst="rect">
+              <a:avLst/>
+            </a:prstGeom>
+          </p:spPr>
+        </p:pic>
+        <p:pic>
+          <p:nvPicPr>
+            <p:cNvPr id="20" name="Picture 19">
+              <a:extLst>
+                <a:ext uri="{FF2B5EF4-FFF2-40B4-BE49-F238E27FC236}">
+                  <a16:creationId xmlns:a16="http://schemas.microsoft.com/office/drawing/2014/main" id="{DFA2BFF1-A4F9-C15A-5E35-FD286865CDCF}"/>
+                </a:ext>
+              </a:extLst>
+            </p:cNvPr>
+            <p:cNvPicPr>
+              <a:picLocks noChangeAspect="1"/>
+            </p:cNvPicPr>
+            <p:nvPr/>
+          </p:nvPicPr>
+          <p:blipFill>
+            <a:blip r:embed="rId5"/>
+            <a:stretch>
+              <a:fillRect/>
+            </a:stretch>
+          </p:blipFill>
+          <p:spPr>
+            <a:xfrm>
+              <a:off x="6549659" y="2531418"/>
+              <a:ext cx="1817247" cy="1792855"/>
+            </a:xfrm>
+            <a:prstGeom prst="rect">
+              <a:avLst/>
+            </a:prstGeom>
+          </p:spPr>
+        </p:pic>
+      </p:grpSp>
     </p:spTree>
     <p:extLst>
       <p:ext uri="{BB962C8B-B14F-4D97-AF65-F5344CB8AC3E}">
